--- a/lectures/markov/markov1-slides.pptx
+++ b/lectures/markov/markov1-slides.pptx
@@ -6561,7 +6561,7 @@
 </file>
 
 <file path=ppt/slides/slide12.xml><?xml version="1.0" encoding="utf-8"?>
-<p:sld xmlns:a="http://schemas.openxmlformats.org/drawingml/2006/main" xmlns:r="http://schemas.openxmlformats.org/officeDocument/2006/relationships" xmlns:p="http://schemas.openxmlformats.org/presentationml/2006/main" show="0">
+<p:sld xmlns:a="http://schemas.openxmlformats.org/drawingml/2006/main" xmlns:r="http://schemas.openxmlformats.org/officeDocument/2006/relationships" xmlns:p="http://schemas.openxmlformats.org/presentationml/2006/main">
   <p:cSld>
     <p:spTree>
       <p:nvGrpSpPr>
@@ -9970,7 +9970,7 @@
 </file>
 
 <file path=ppt/slides/slide20.xml><?xml version="1.0" encoding="utf-8"?>
-<p:sld xmlns:a="http://schemas.openxmlformats.org/drawingml/2006/main" xmlns:r="http://schemas.openxmlformats.org/officeDocument/2006/relationships" xmlns:p="http://schemas.openxmlformats.org/presentationml/2006/main" show="0">
+<p:sld xmlns:a="http://schemas.openxmlformats.org/drawingml/2006/main" xmlns:r="http://schemas.openxmlformats.org/officeDocument/2006/relationships" xmlns:p="http://schemas.openxmlformats.org/presentationml/2006/main">
   <p:cSld>
     <p:spTree>
       <p:nvGrpSpPr>
